--- a/img/스터디 img.pptx
+++ b/img/스터디 img.pptx
@@ -112,11 +112,12 @@
       </a:defRPr>
     </a:lvl9pPr>
   </p:defaultTextStyle>
+  <p:extLst>
+    <p:ext uri="{EFAFB233-063F-42B5-8137-9DF3F51BA10A}">
+      <p15:sldGuideLst xmlns:p15="http://schemas.microsoft.com/office/powerpoint/2012/main"/>
+    </p:ext>
+  </p:extLst>
 </p:presentation>
-</file>
-
-<file path=ppt/revisionInfo.xml><?xml version="1.0" encoding="utf-8"?>
-<p1510:revInfo xmlns:a="http://schemas.openxmlformats.org/drawingml/2006/main" xmlns:r="http://schemas.openxmlformats.org/officeDocument/2006/relationships" xmlns:p1510="http://schemas.microsoft.com/office/powerpoint/2015/10/main"/>
 </file>
 
 <file path=ppt/slideLayouts/slideLayout1.xml><?xml version="1.0" encoding="utf-8"?>
@@ -266,7 +267,7 @@
           <a:p>
             <a:fld id="{B7DBBDAF-36DB-4AC0-85E8-6A8530D6F810}" type="datetimeFigureOut">
               <a:rPr lang="ko-KR" altLang="en-US" smtClean="0"/>
-              <a:t>2017-09-12</a:t>
+              <a:t>2018-08-06</a:t>
             </a:fld>
             <a:endParaRPr lang="ko-KR" altLang="en-US"/>
           </a:p>
@@ -464,7 +465,7 @@
           <a:p>
             <a:fld id="{B7DBBDAF-36DB-4AC0-85E8-6A8530D6F810}" type="datetimeFigureOut">
               <a:rPr lang="ko-KR" altLang="en-US" smtClean="0"/>
-              <a:t>2017-09-12</a:t>
+              <a:t>2018-08-06</a:t>
             </a:fld>
             <a:endParaRPr lang="ko-KR" altLang="en-US"/>
           </a:p>
@@ -672,7 +673,7 @@
           <a:p>
             <a:fld id="{B7DBBDAF-36DB-4AC0-85E8-6A8530D6F810}" type="datetimeFigureOut">
               <a:rPr lang="ko-KR" altLang="en-US" smtClean="0"/>
-              <a:t>2017-09-12</a:t>
+              <a:t>2018-08-06</a:t>
             </a:fld>
             <a:endParaRPr lang="ko-KR" altLang="en-US"/>
           </a:p>
@@ -870,7 +871,7 @@
           <a:p>
             <a:fld id="{B7DBBDAF-36DB-4AC0-85E8-6A8530D6F810}" type="datetimeFigureOut">
               <a:rPr lang="ko-KR" altLang="en-US" smtClean="0"/>
-              <a:t>2017-09-12</a:t>
+              <a:t>2018-08-06</a:t>
             </a:fld>
             <a:endParaRPr lang="ko-KR" altLang="en-US"/>
           </a:p>
@@ -1145,7 +1146,7 @@
           <a:p>
             <a:fld id="{B7DBBDAF-36DB-4AC0-85E8-6A8530D6F810}" type="datetimeFigureOut">
               <a:rPr lang="ko-KR" altLang="en-US" smtClean="0"/>
-              <a:t>2017-09-12</a:t>
+              <a:t>2018-08-06</a:t>
             </a:fld>
             <a:endParaRPr lang="ko-KR" altLang="en-US"/>
           </a:p>
@@ -1410,7 +1411,7 @@
           <a:p>
             <a:fld id="{B7DBBDAF-36DB-4AC0-85E8-6A8530D6F810}" type="datetimeFigureOut">
               <a:rPr lang="ko-KR" altLang="en-US" smtClean="0"/>
-              <a:t>2017-09-12</a:t>
+              <a:t>2018-08-06</a:t>
             </a:fld>
             <a:endParaRPr lang="ko-KR" altLang="en-US"/>
           </a:p>
@@ -1822,7 +1823,7 @@
           <a:p>
             <a:fld id="{B7DBBDAF-36DB-4AC0-85E8-6A8530D6F810}" type="datetimeFigureOut">
               <a:rPr lang="ko-KR" altLang="en-US" smtClean="0"/>
-              <a:t>2017-09-12</a:t>
+              <a:t>2018-08-06</a:t>
             </a:fld>
             <a:endParaRPr lang="ko-KR" altLang="en-US"/>
           </a:p>
@@ -1963,7 +1964,7 @@
           <a:p>
             <a:fld id="{B7DBBDAF-36DB-4AC0-85E8-6A8530D6F810}" type="datetimeFigureOut">
               <a:rPr lang="ko-KR" altLang="en-US" smtClean="0"/>
-              <a:t>2017-09-12</a:t>
+              <a:t>2018-08-06</a:t>
             </a:fld>
             <a:endParaRPr lang="ko-KR" altLang="en-US"/>
           </a:p>
@@ -2076,7 +2077,7 @@
           <a:p>
             <a:fld id="{B7DBBDAF-36DB-4AC0-85E8-6A8530D6F810}" type="datetimeFigureOut">
               <a:rPr lang="ko-KR" altLang="en-US" smtClean="0"/>
-              <a:t>2017-09-12</a:t>
+              <a:t>2018-08-06</a:t>
             </a:fld>
             <a:endParaRPr lang="ko-KR" altLang="en-US"/>
           </a:p>
@@ -2387,7 +2388,7 @@
           <a:p>
             <a:fld id="{B7DBBDAF-36DB-4AC0-85E8-6A8530D6F810}" type="datetimeFigureOut">
               <a:rPr lang="ko-KR" altLang="en-US" smtClean="0"/>
-              <a:t>2017-09-12</a:t>
+              <a:t>2018-08-06</a:t>
             </a:fld>
             <a:endParaRPr lang="ko-KR" altLang="en-US"/>
           </a:p>
@@ -2675,7 +2676,7 @@
           <a:p>
             <a:fld id="{B7DBBDAF-36DB-4AC0-85E8-6A8530D6F810}" type="datetimeFigureOut">
               <a:rPr lang="ko-KR" altLang="en-US" smtClean="0"/>
-              <a:t>2017-09-12</a:t>
+              <a:t>2018-08-06</a:t>
             </a:fld>
             <a:endParaRPr lang="ko-KR" altLang="en-US"/>
           </a:p>
@@ -2916,7 +2917,7 @@
           <a:p>
             <a:fld id="{B7DBBDAF-36DB-4AC0-85E8-6A8530D6F810}" type="datetimeFigureOut">
               <a:rPr lang="ko-KR" altLang="en-US" smtClean="0"/>
-              <a:t>2017-09-12</a:t>
+              <a:t>2018-08-06</a:t>
             </a:fld>
             <a:endParaRPr lang="ko-KR" altLang="en-US"/>
           </a:p>

--- a/img/스터디 img.pptx
+++ b/img/스터디 img.pptx
@@ -7,13 +7,15 @@
   <p:sldIdLst>
     <p:sldId id="256" r:id="rId2"/>
     <p:sldId id="257" r:id="rId3"/>
-    <p:sldId id="258" r:id="rId4"/>
-    <p:sldId id="259" r:id="rId5"/>
-    <p:sldId id="260" r:id="rId6"/>
-    <p:sldId id="261" r:id="rId7"/>
-    <p:sldId id="262" r:id="rId8"/>
-    <p:sldId id="263" r:id="rId9"/>
-    <p:sldId id="264" r:id="rId10"/>
+    <p:sldId id="265" r:id="rId4"/>
+    <p:sldId id="266" r:id="rId5"/>
+    <p:sldId id="258" r:id="rId6"/>
+    <p:sldId id="259" r:id="rId7"/>
+    <p:sldId id="260" r:id="rId8"/>
+    <p:sldId id="261" r:id="rId9"/>
+    <p:sldId id="262" r:id="rId10"/>
+    <p:sldId id="263" r:id="rId11"/>
+    <p:sldId id="264" r:id="rId12"/>
   </p:sldIdLst>
   <p:sldSz cx="12192000" cy="6858000"/>
   <p:notesSz cx="6858000" cy="9144000"/>
@@ -267,7 +269,7 @@
           <a:p>
             <a:fld id="{B7DBBDAF-36DB-4AC0-85E8-6A8530D6F810}" type="datetimeFigureOut">
               <a:rPr lang="ko-KR" altLang="en-US" smtClean="0"/>
-              <a:t>2018-08-06</a:t>
+              <a:t>2018-08-16</a:t>
             </a:fld>
             <a:endParaRPr lang="ko-KR" altLang="en-US"/>
           </a:p>
@@ -465,7 +467,7 @@
           <a:p>
             <a:fld id="{B7DBBDAF-36DB-4AC0-85E8-6A8530D6F810}" type="datetimeFigureOut">
               <a:rPr lang="ko-KR" altLang="en-US" smtClean="0"/>
-              <a:t>2018-08-06</a:t>
+              <a:t>2018-08-16</a:t>
             </a:fld>
             <a:endParaRPr lang="ko-KR" altLang="en-US"/>
           </a:p>
@@ -673,7 +675,7 @@
           <a:p>
             <a:fld id="{B7DBBDAF-36DB-4AC0-85E8-6A8530D6F810}" type="datetimeFigureOut">
               <a:rPr lang="ko-KR" altLang="en-US" smtClean="0"/>
-              <a:t>2018-08-06</a:t>
+              <a:t>2018-08-16</a:t>
             </a:fld>
             <a:endParaRPr lang="ko-KR" altLang="en-US"/>
           </a:p>
@@ -871,7 +873,7 @@
           <a:p>
             <a:fld id="{B7DBBDAF-36DB-4AC0-85E8-6A8530D6F810}" type="datetimeFigureOut">
               <a:rPr lang="ko-KR" altLang="en-US" smtClean="0"/>
-              <a:t>2018-08-06</a:t>
+              <a:t>2018-08-16</a:t>
             </a:fld>
             <a:endParaRPr lang="ko-KR" altLang="en-US"/>
           </a:p>
@@ -1146,7 +1148,7 @@
           <a:p>
             <a:fld id="{B7DBBDAF-36DB-4AC0-85E8-6A8530D6F810}" type="datetimeFigureOut">
               <a:rPr lang="ko-KR" altLang="en-US" smtClean="0"/>
-              <a:t>2018-08-06</a:t>
+              <a:t>2018-08-16</a:t>
             </a:fld>
             <a:endParaRPr lang="ko-KR" altLang="en-US"/>
           </a:p>
@@ -1411,7 +1413,7 @@
           <a:p>
             <a:fld id="{B7DBBDAF-36DB-4AC0-85E8-6A8530D6F810}" type="datetimeFigureOut">
               <a:rPr lang="ko-KR" altLang="en-US" smtClean="0"/>
-              <a:t>2018-08-06</a:t>
+              <a:t>2018-08-16</a:t>
             </a:fld>
             <a:endParaRPr lang="ko-KR" altLang="en-US"/>
           </a:p>
@@ -1823,7 +1825,7 @@
           <a:p>
             <a:fld id="{B7DBBDAF-36DB-4AC0-85E8-6A8530D6F810}" type="datetimeFigureOut">
               <a:rPr lang="ko-KR" altLang="en-US" smtClean="0"/>
-              <a:t>2018-08-06</a:t>
+              <a:t>2018-08-16</a:t>
             </a:fld>
             <a:endParaRPr lang="ko-KR" altLang="en-US"/>
           </a:p>
@@ -1964,7 +1966,7 @@
           <a:p>
             <a:fld id="{B7DBBDAF-36DB-4AC0-85E8-6A8530D6F810}" type="datetimeFigureOut">
               <a:rPr lang="ko-KR" altLang="en-US" smtClean="0"/>
-              <a:t>2018-08-06</a:t>
+              <a:t>2018-08-16</a:t>
             </a:fld>
             <a:endParaRPr lang="ko-KR" altLang="en-US"/>
           </a:p>
@@ -2077,7 +2079,7 @@
           <a:p>
             <a:fld id="{B7DBBDAF-36DB-4AC0-85E8-6A8530D6F810}" type="datetimeFigureOut">
               <a:rPr lang="ko-KR" altLang="en-US" smtClean="0"/>
-              <a:t>2018-08-06</a:t>
+              <a:t>2018-08-16</a:t>
             </a:fld>
             <a:endParaRPr lang="ko-KR" altLang="en-US"/>
           </a:p>
@@ -2388,7 +2390,7 @@
           <a:p>
             <a:fld id="{B7DBBDAF-36DB-4AC0-85E8-6A8530D6F810}" type="datetimeFigureOut">
               <a:rPr lang="ko-KR" altLang="en-US" smtClean="0"/>
-              <a:t>2018-08-06</a:t>
+              <a:t>2018-08-16</a:t>
             </a:fld>
             <a:endParaRPr lang="ko-KR" altLang="en-US"/>
           </a:p>
@@ -2676,7 +2678,7 @@
           <a:p>
             <a:fld id="{B7DBBDAF-36DB-4AC0-85E8-6A8530D6F810}" type="datetimeFigureOut">
               <a:rPr lang="ko-KR" altLang="en-US" smtClean="0"/>
-              <a:t>2018-08-06</a:t>
+              <a:t>2018-08-16</a:t>
             </a:fld>
             <a:endParaRPr lang="ko-KR" altLang="en-US"/>
           </a:p>
@@ -2917,7 +2919,7 @@
           <a:p>
             <a:fld id="{B7DBBDAF-36DB-4AC0-85E8-6A8530D6F810}" type="datetimeFigureOut">
               <a:rPr lang="ko-KR" altLang="en-US" smtClean="0"/>
-              <a:t>2018-08-06</a:t>
+              <a:t>2018-08-16</a:t>
             </a:fld>
             <a:endParaRPr lang="ko-KR" altLang="en-US"/>
           </a:p>
@@ -3404,6 +3406,180 @@
 </p:sld>
 </file>
 
+<file path=ppt/slides/slide10.xml><?xml version="1.0" encoding="utf-8"?>
+<p:sld xmlns:a="http://schemas.openxmlformats.org/drawingml/2006/main" xmlns:r="http://schemas.openxmlformats.org/officeDocument/2006/relationships" xmlns:p="http://schemas.openxmlformats.org/presentationml/2006/main">
+  <p:cSld>
+    <p:spTree>
+      <p:nvGrpSpPr>
+        <p:cNvPr id="1" name=""/>
+        <p:cNvGrpSpPr/>
+        <p:nvPr/>
+      </p:nvGrpSpPr>
+      <p:grpSpPr>
+        <a:xfrm>
+          <a:off x="0" y="0"/>
+          <a:ext cx="0" cy="0"/>
+          <a:chOff x="0" y="0"/>
+          <a:chExt cx="0" cy="0"/>
+        </a:xfrm>
+      </p:grpSpPr>
+      <p:sp>
+        <p:nvSpPr>
+          <p:cNvPr id="4" name="TextBox 3">
+            <a:extLst>
+              <a:ext uri="{FF2B5EF4-FFF2-40B4-BE49-F238E27FC236}">
+                <a16:creationId xmlns:a16="http://schemas.microsoft.com/office/drawing/2014/main" id="{785B0580-93EC-43BA-9FDD-51E4023E9FD8}"/>
+              </a:ext>
+            </a:extLst>
+          </p:cNvPr>
+          <p:cNvSpPr txBox="1"/>
+          <p:nvPr/>
+        </p:nvSpPr>
+        <p:spPr>
+          <a:xfrm>
+            <a:off x="3578324" y="305068"/>
+            <a:ext cx="5035353" cy="6247864"/>
+          </a:xfrm>
+          <a:prstGeom prst="rect">
+            <a:avLst/>
+          </a:prstGeom>
+          <a:noFill/>
+        </p:spPr>
+        <p:txBody>
+          <a:bodyPr wrap="none" rtlCol="0">
+            <a:spAutoFit/>
+          </a:bodyPr>
+          <a:lstStyle/>
+          <a:p>
+            <a:pPr algn="ctr"/>
+            <a:r>
+              <a:rPr lang="ko-KR" altLang="en-US" sz="20000" dirty="0">
+                <a:latin typeface="a드림고딕7" panose="02020600000000000000" pitchFamily="18" charset="-127"/>
+                <a:ea typeface="a드림고딕7" panose="02020600000000000000" pitchFamily="18" charset="-127"/>
+              </a:rPr>
+              <a:t>강남</a:t>
+            </a:r>
+            <a:endParaRPr lang="en-US" altLang="ko-KR" sz="20000" dirty="0">
+              <a:latin typeface="a드림고딕7" panose="02020600000000000000" pitchFamily="18" charset="-127"/>
+              <a:ea typeface="a드림고딕7" panose="02020600000000000000" pitchFamily="18" charset="-127"/>
+            </a:endParaRPr>
+          </a:p>
+          <a:p>
+            <a:pPr algn="ctr"/>
+            <a:r>
+              <a:rPr lang="en-US" altLang="ko-KR" sz="20000" dirty="0">
+                <a:latin typeface="a드림고딕7" panose="02020600000000000000" pitchFamily="18" charset="-127"/>
+                <a:ea typeface="a드림고딕7" panose="02020600000000000000" pitchFamily="18" charset="-127"/>
+              </a:rPr>
+              <a:t>#6</a:t>
+            </a:r>
+            <a:endParaRPr lang="ko-KR" altLang="en-US" sz="20000" dirty="0">
+              <a:latin typeface="a드림고딕7" panose="02020600000000000000" pitchFamily="18" charset="-127"/>
+              <a:ea typeface="a드림고딕7" panose="02020600000000000000" pitchFamily="18" charset="-127"/>
+            </a:endParaRPr>
+          </a:p>
+        </p:txBody>
+      </p:sp>
+    </p:spTree>
+    <p:extLst>
+      <p:ext uri="{BB962C8B-B14F-4D97-AF65-F5344CB8AC3E}">
+        <p14:creationId xmlns:p14="http://schemas.microsoft.com/office/powerpoint/2010/main" val="978698867"/>
+      </p:ext>
+    </p:extLst>
+  </p:cSld>
+  <p:clrMapOvr>
+    <a:masterClrMapping/>
+  </p:clrMapOvr>
+</p:sld>
+</file>
+
+<file path=ppt/slides/slide11.xml><?xml version="1.0" encoding="utf-8"?>
+<p:sld xmlns:a="http://schemas.openxmlformats.org/drawingml/2006/main" xmlns:r="http://schemas.openxmlformats.org/officeDocument/2006/relationships" xmlns:p="http://schemas.openxmlformats.org/presentationml/2006/main">
+  <p:cSld>
+    <p:spTree>
+      <p:nvGrpSpPr>
+        <p:cNvPr id="1" name=""/>
+        <p:cNvGrpSpPr/>
+        <p:nvPr/>
+      </p:nvGrpSpPr>
+      <p:grpSpPr>
+        <a:xfrm>
+          <a:off x="0" y="0"/>
+          <a:ext cx="0" cy="0"/>
+          <a:chOff x="0" y="0"/>
+          <a:chExt cx="0" cy="0"/>
+        </a:xfrm>
+      </p:grpSpPr>
+      <p:sp>
+        <p:nvSpPr>
+          <p:cNvPr id="4" name="TextBox 3">
+            <a:extLst>
+              <a:ext uri="{FF2B5EF4-FFF2-40B4-BE49-F238E27FC236}">
+                <a16:creationId xmlns:a16="http://schemas.microsoft.com/office/drawing/2014/main" id="{785B0580-93EC-43BA-9FDD-51E4023E9FD8}"/>
+              </a:ext>
+            </a:extLst>
+          </p:cNvPr>
+          <p:cNvSpPr txBox="1"/>
+          <p:nvPr/>
+        </p:nvSpPr>
+        <p:spPr>
+          <a:xfrm>
+            <a:off x="3578324" y="305068"/>
+            <a:ext cx="5035353" cy="6247864"/>
+          </a:xfrm>
+          <a:prstGeom prst="rect">
+            <a:avLst/>
+          </a:prstGeom>
+          <a:noFill/>
+        </p:spPr>
+        <p:txBody>
+          <a:bodyPr wrap="none" rtlCol="0">
+            <a:spAutoFit/>
+          </a:bodyPr>
+          <a:lstStyle/>
+          <a:p>
+            <a:pPr algn="ctr"/>
+            <a:r>
+              <a:rPr lang="ko-KR" altLang="en-US" sz="20000" dirty="0">
+                <a:latin typeface="a드림고딕7" panose="02020600000000000000" pitchFamily="18" charset="-127"/>
+                <a:ea typeface="a드림고딕7" panose="02020600000000000000" pitchFamily="18" charset="-127"/>
+              </a:rPr>
+              <a:t>강남</a:t>
+            </a:r>
+            <a:endParaRPr lang="en-US" altLang="ko-KR" sz="20000" dirty="0">
+              <a:latin typeface="a드림고딕7" panose="02020600000000000000" pitchFamily="18" charset="-127"/>
+              <a:ea typeface="a드림고딕7" panose="02020600000000000000" pitchFamily="18" charset="-127"/>
+            </a:endParaRPr>
+          </a:p>
+          <a:p>
+            <a:pPr algn="ctr"/>
+            <a:r>
+              <a:rPr lang="en-US" altLang="ko-KR" sz="20000" dirty="0">
+                <a:latin typeface="a드림고딕7" panose="02020600000000000000" pitchFamily="18" charset="-127"/>
+                <a:ea typeface="a드림고딕7" panose="02020600000000000000" pitchFamily="18" charset="-127"/>
+              </a:rPr>
+              <a:t>#7</a:t>
+            </a:r>
+            <a:endParaRPr lang="ko-KR" altLang="en-US" sz="20000" dirty="0">
+              <a:latin typeface="a드림고딕7" panose="02020600000000000000" pitchFamily="18" charset="-127"/>
+              <a:ea typeface="a드림고딕7" panose="02020600000000000000" pitchFamily="18" charset="-127"/>
+            </a:endParaRPr>
+          </a:p>
+        </p:txBody>
+      </p:sp>
+    </p:spTree>
+    <p:extLst>
+      <p:ext uri="{BB962C8B-B14F-4D97-AF65-F5344CB8AC3E}">
+        <p14:creationId xmlns:p14="http://schemas.microsoft.com/office/powerpoint/2010/main" val="650791614"/>
+      </p:ext>
+    </p:extLst>
+  </p:cSld>
+  <p:clrMapOvr>
+    <a:masterClrMapping/>
+  </p:clrMapOvr>
+</p:sld>
+</file>
+
 <file path=ppt/slides/slide2.xml><?xml version="1.0" encoding="utf-8"?>
 <p:sld xmlns:a="http://schemas.openxmlformats.org/drawingml/2006/main" xmlns:r="http://schemas.openxmlformats.org/officeDocument/2006/relationships" xmlns:p="http://schemas.openxmlformats.org/presentationml/2006/main">
   <p:cSld>
@@ -3522,8 +3698,8 @@
         </p:nvSpPr>
         <p:spPr>
           <a:xfrm>
-            <a:off x="3578324" y="305068"/>
-            <a:ext cx="5035353" cy="6247864"/>
+            <a:off x="3563096" y="305068"/>
+            <a:ext cx="5065809" cy="6247864"/>
           </a:xfrm>
           <a:prstGeom prst="rect">
             <a:avLst/>
@@ -3542,7 +3718,7 @@
                 <a:latin typeface="a드림고딕7" panose="02020600000000000000" pitchFamily="18" charset="-127"/>
                 <a:ea typeface="a드림고딕7" panose="02020600000000000000" pitchFamily="18" charset="-127"/>
               </a:rPr>
-              <a:t>강남</a:t>
+              <a:t>신촌</a:t>
             </a:r>
             <a:endParaRPr lang="en-US" altLang="ko-KR" sz="20000" dirty="0">
               <a:latin typeface="a드림고딕7" panose="02020600000000000000" pitchFamily="18" charset="-127"/>
@@ -3556,7 +3732,7 @@
                 <a:latin typeface="a드림고딕7" panose="02020600000000000000" pitchFamily="18" charset="-127"/>
                 <a:ea typeface="a드림고딕7" panose="02020600000000000000" pitchFamily="18" charset="-127"/>
               </a:rPr>
-              <a:t>#1</a:t>
+              <a:t>#3</a:t>
             </a:r>
             <a:endParaRPr lang="ko-KR" altLang="en-US" sz="20000" dirty="0">
               <a:latin typeface="a드림고딕7" panose="02020600000000000000" pitchFamily="18" charset="-127"/>
@@ -3568,7 +3744,7 @@
     </p:spTree>
     <p:extLst>
       <p:ext uri="{BB962C8B-B14F-4D97-AF65-F5344CB8AC3E}">
-        <p14:creationId xmlns:p14="http://schemas.microsoft.com/office/powerpoint/2010/main" val="3183303374"/>
+        <p14:creationId xmlns:p14="http://schemas.microsoft.com/office/powerpoint/2010/main" val="612200636"/>
       </p:ext>
     </p:extLst>
   </p:cSld>
@@ -3609,8 +3785,8 @@
         </p:nvSpPr>
         <p:spPr>
           <a:xfrm>
-            <a:off x="3578324" y="305068"/>
-            <a:ext cx="5035353" cy="6247864"/>
+            <a:off x="3563096" y="305068"/>
+            <a:ext cx="5065809" cy="6247864"/>
           </a:xfrm>
           <a:prstGeom prst="rect">
             <a:avLst/>
@@ -3629,7 +3805,7 @@
                 <a:latin typeface="a드림고딕7" panose="02020600000000000000" pitchFamily="18" charset="-127"/>
                 <a:ea typeface="a드림고딕7" panose="02020600000000000000" pitchFamily="18" charset="-127"/>
               </a:rPr>
-              <a:t>강남</a:t>
+              <a:t>신촌</a:t>
             </a:r>
             <a:endParaRPr lang="en-US" altLang="ko-KR" sz="20000" dirty="0">
               <a:latin typeface="a드림고딕7" panose="02020600000000000000" pitchFamily="18" charset="-127"/>
@@ -3643,7 +3819,7 @@
                 <a:latin typeface="a드림고딕7" panose="02020600000000000000" pitchFamily="18" charset="-127"/>
                 <a:ea typeface="a드림고딕7" panose="02020600000000000000" pitchFamily="18" charset="-127"/>
               </a:rPr>
-              <a:t>#2</a:t>
+              <a:t>#4</a:t>
             </a:r>
             <a:endParaRPr lang="ko-KR" altLang="en-US" sz="20000" dirty="0">
               <a:latin typeface="a드림고딕7" panose="02020600000000000000" pitchFamily="18" charset="-127"/>
@@ -3655,7 +3831,7 @@
     </p:spTree>
     <p:extLst>
       <p:ext uri="{BB962C8B-B14F-4D97-AF65-F5344CB8AC3E}">
-        <p14:creationId xmlns:p14="http://schemas.microsoft.com/office/powerpoint/2010/main" val="3502053903"/>
+        <p14:creationId xmlns:p14="http://schemas.microsoft.com/office/powerpoint/2010/main" val="355339417"/>
       </p:ext>
     </p:extLst>
   </p:cSld>
@@ -3730,7 +3906,7 @@
                 <a:latin typeface="a드림고딕7" panose="02020600000000000000" pitchFamily="18" charset="-127"/>
                 <a:ea typeface="a드림고딕7" panose="02020600000000000000" pitchFamily="18" charset="-127"/>
               </a:rPr>
-              <a:t>#3</a:t>
+              <a:t>#1</a:t>
             </a:r>
             <a:endParaRPr lang="ko-KR" altLang="en-US" sz="20000" dirty="0">
               <a:latin typeface="a드림고딕7" panose="02020600000000000000" pitchFamily="18" charset="-127"/>
@@ -3742,7 +3918,7 @@
     </p:spTree>
     <p:extLst>
       <p:ext uri="{BB962C8B-B14F-4D97-AF65-F5344CB8AC3E}">
-        <p14:creationId xmlns:p14="http://schemas.microsoft.com/office/powerpoint/2010/main" val="1964969228"/>
+        <p14:creationId xmlns:p14="http://schemas.microsoft.com/office/powerpoint/2010/main" val="3183303374"/>
       </p:ext>
     </p:extLst>
   </p:cSld>
@@ -3817,7 +3993,7 @@
                 <a:latin typeface="a드림고딕7" panose="02020600000000000000" pitchFamily="18" charset="-127"/>
                 <a:ea typeface="a드림고딕7" panose="02020600000000000000" pitchFamily="18" charset="-127"/>
               </a:rPr>
-              <a:t>#4</a:t>
+              <a:t>#2</a:t>
             </a:r>
             <a:endParaRPr lang="ko-KR" altLang="en-US" sz="20000" dirty="0">
               <a:latin typeface="a드림고딕7" panose="02020600000000000000" pitchFamily="18" charset="-127"/>
@@ -3829,7 +4005,7 @@
     </p:spTree>
     <p:extLst>
       <p:ext uri="{BB962C8B-B14F-4D97-AF65-F5344CB8AC3E}">
-        <p14:creationId xmlns:p14="http://schemas.microsoft.com/office/powerpoint/2010/main" val="2773136049"/>
+        <p14:creationId xmlns:p14="http://schemas.microsoft.com/office/powerpoint/2010/main" val="3502053903"/>
       </p:ext>
     </p:extLst>
   </p:cSld>
@@ -3904,7 +4080,7 @@
                 <a:latin typeface="a드림고딕7" panose="02020600000000000000" pitchFamily="18" charset="-127"/>
                 <a:ea typeface="a드림고딕7" panose="02020600000000000000" pitchFamily="18" charset="-127"/>
               </a:rPr>
-              <a:t>#5</a:t>
+              <a:t>#3</a:t>
             </a:r>
             <a:endParaRPr lang="ko-KR" altLang="en-US" sz="20000" dirty="0">
               <a:latin typeface="a드림고딕7" panose="02020600000000000000" pitchFamily="18" charset="-127"/>
@@ -3916,7 +4092,7 @@
     </p:spTree>
     <p:extLst>
       <p:ext uri="{BB962C8B-B14F-4D97-AF65-F5344CB8AC3E}">
-        <p14:creationId xmlns:p14="http://schemas.microsoft.com/office/powerpoint/2010/main" val="2151127698"/>
+        <p14:creationId xmlns:p14="http://schemas.microsoft.com/office/powerpoint/2010/main" val="1964969228"/>
       </p:ext>
     </p:extLst>
   </p:cSld>
@@ -3991,7 +4167,7 @@
                 <a:latin typeface="a드림고딕7" panose="02020600000000000000" pitchFamily="18" charset="-127"/>
                 <a:ea typeface="a드림고딕7" panose="02020600000000000000" pitchFamily="18" charset="-127"/>
               </a:rPr>
-              <a:t>#6</a:t>
+              <a:t>#4</a:t>
             </a:r>
             <a:endParaRPr lang="ko-KR" altLang="en-US" sz="20000" dirty="0">
               <a:latin typeface="a드림고딕7" panose="02020600000000000000" pitchFamily="18" charset="-127"/>
@@ -4003,7 +4179,7 @@
     </p:spTree>
     <p:extLst>
       <p:ext uri="{BB962C8B-B14F-4D97-AF65-F5344CB8AC3E}">
-        <p14:creationId xmlns:p14="http://schemas.microsoft.com/office/powerpoint/2010/main" val="978698867"/>
+        <p14:creationId xmlns:p14="http://schemas.microsoft.com/office/powerpoint/2010/main" val="2773136049"/>
       </p:ext>
     </p:extLst>
   </p:cSld>
@@ -4078,7 +4254,7 @@
                 <a:latin typeface="a드림고딕7" panose="02020600000000000000" pitchFamily="18" charset="-127"/>
                 <a:ea typeface="a드림고딕7" panose="02020600000000000000" pitchFamily="18" charset="-127"/>
               </a:rPr>
-              <a:t>#7</a:t>
+              <a:t>#5</a:t>
             </a:r>
             <a:endParaRPr lang="ko-KR" altLang="en-US" sz="20000" dirty="0">
               <a:latin typeface="a드림고딕7" panose="02020600000000000000" pitchFamily="18" charset="-127"/>
@@ -4090,7 +4266,7 @@
     </p:spTree>
     <p:extLst>
       <p:ext uri="{BB962C8B-B14F-4D97-AF65-F5344CB8AC3E}">
-        <p14:creationId xmlns:p14="http://schemas.microsoft.com/office/powerpoint/2010/main" val="650791614"/>
+        <p14:creationId xmlns:p14="http://schemas.microsoft.com/office/powerpoint/2010/main" val="2151127698"/>
       </p:ext>
     </p:extLst>
   </p:cSld>
